--- a/g3doc/dukenet_presentation.pptx
+++ b/g3doc/dukenet_presentation.pptx
@@ -2788,7 +2788,7 @@
         <p:spPr>
           <a:xfrm>
             <a:off x="471301" y="4352638"/>
-            <a:ext cx="8577476" cy="523220"/>
+            <a:ext cx="8442824" cy="523220"/>
           </a:xfrm>
           <a:prstGeom prst="rect">
             <a:avLst/>
@@ -2813,7 +2813,7 @@
                 <a:latin typeface="Calibri" panose="020F0502020204030204" pitchFamily="34" charset="0"/>
                 <a:cs typeface="Calibri" panose="020F0502020204030204" pitchFamily="34" charset="0"/>
               </a:rPr>
-              <a:t> - a Mobile Vision Deep Neural Network for DSP</a:t>
+              <a:t>: A Mobile Vision Deep Neural Network for DSP</a:t>
             </a:r>
           </a:p>
         </p:txBody>
@@ -2903,7 +2903,7 @@
             </a:pPr>
             <a:r>
               <a:rPr lang="en-US" sz="2800" dirty="0"/>
-              <a:t>Goal: Design a deep neural network to fully utilize Qualcomm Snapdragon 855 with NNAPI</a:t>
+              <a:t>Goal: Design a deep neural network to fit challenging runtime constraints (i.e. 7ms latency) on Qualcomm Snapdragon 855 with NNAPI</a:t>
             </a:r>
           </a:p>
           <a:p>
@@ -2922,17 +2922,8 @@
             </a:pPr>
             <a:r>
               <a:rPr lang="en-US" sz="2400" dirty="0"/>
-              <a:t>Inspired by MobileNetv3 and use it as backbone</a:t>
-            </a:r>
-            <a:r>
-              <a:rPr lang="zh-TW" altLang="en-US" sz="2400" dirty="0"/>
-              <a:t> </a:t>
-            </a:r>
-            <a:r>
-              <a:rPr lang="en-US" altLang="zh-TW" sz="2400" dirty="0"/>
-              <a:t>structure.</a:t>
-            </a:r>
-            <a:endParaRPr lang="en-US" sz="2400" dirty="0"/>
+              <a:t>Use MobileNetV3 as inspiration and backbone model.</a:t>
+            </a:r>
           </a:p>
           <a:p>
             <a:pPr>
@@ -2941,7 +2932,7 @@
             </a:pPr>
             <a:r>
               <a:rPr lang="en-US" sz="2400" dirty="0"/>
-              <a:t>Remove all of the ‘fancy’ activations (e.g. Hard swish, ReLU6) which may either incompatible with hardware or induce significant accuracy drop after quantization.</a:t>
+              <a:t>Remove all ‘fancy’ activations (e.g. Hard swish, ReLU6) which may either be incompatible with hardware or induce significant accuracy drop after quantization.</a:t>
             </a:r>
           </a:p>
           <a:p>
@@ -2951,15 +2942,7 @@
             </a:pPr>
             <a:r>
               <a:rPr lang="en-US" sz="2400" dirty="0"/>
-              <a:t>Replace 5x5 </a:t>
-            </a:r>
-            <a:r>
-              <a:rPr lang="en-US" sz="2400" dirty="0" err="1"/>
-              <a:t>depthwise</a:t>
-            </a:r>
-            <a:r>
-              <a:rPr lang="en-US" sz="2400" dirty="0"/>
-              <a:t> separable convolutions with their 3x3 counterparts as they are not supported by the NNAPI.</a:t>
+              <a:t>Replace 5x5 convolutional kernels with their 3x3 counterparts as these kernels are not supported by the NNAPI.</a:t>
             </a:r>
           </a:p>
           <a:p>
@@ -2969,7 +2952,7 @@
             </a:pPr>
             <a:r>
               <a:rPr lang="en-US" sz="2400" dirty="0"/>
-              <a:t>Remove the final FC layer to reduce the number of parameters.</a:t>
+              <a:t>Remove the final FC layer to reduce the number of parameters as they are not necessary.</a:t>
             </a:r>
           </a:p>
           <a:p>
@@ -2979,7 +2962,7 @@
             </a:pPr>
             <a:r>
               <a:rPr lang="en-US" sz="2400" dirty="0"/>
-              <a:t>Scale up the model by 1.4x to fully utilize the given computation budget.</a:t>
+              <a:t>Scale up the model by 1.4x to fully utilize the 7ms budget.</a:t>
             </a:r>
           </a:p>
           <a:p>
@@ -3072,7 +3055,7 @@
           <a:p>
             <a:r>
               <a:rPr lang="en-US" sz="2400" dirty="0"/>
-              <a:t>Current model has around 410.33 </a:t>
+              <a:t>Current model has around 410 </a:t>
             </a:r>
             <a:r>
               <a:rPr lang="en-US" altLang="zh-TW" sz="2400" dirty="0"/>
@@ -3084,7 +3067,13 @@
             </a:r>
             <a:r>
               <a:rPr lang="en-US" sz="2400" dirty="0"/>
-              <a:t>MACs</a:t>
+              <a:t>MACs and 3.96 M parameters.</a:t>
+            </a:r>
+          </a:p>
+          <a:p>
+            <a:r>
+              <a:rPr lang="en-US" sz="2400" dirty="0"/>
+              <a:t>The submission model is trained within 120 epochs with cosine learning rate schedule (about 4 GPU days on 2 Titan RTX). Similar hyperparameter settings in MobileNetV2 is applied.</a:t>
             </a:r>
           </a:p>
           <a:p>
@@ -3150,7 +3139,7 @@
             </a:r>
             <a:r>
               <a:rPr lang="en-US" altLang="zh-CN" sz="2400" dirty="0"/>
-              <a:t>.8</a:t>
+              <a:t>.58</a:t>
             </a:r>
             <a:r>
               <a:rPr lang="en-US" sz="2400" dirty="0"/>
@@ -3162,7 +3151,7 @@
             </a:r>
             <a:r>
               <a:rPr lang="en-US" altLang="zh-TW" sz="2400" dirty="0"/>
-              <a:t>with</a:t>
+              <a:t>within</a:t>
             </a:r>
             <a:r>
               <a:rPr lang="zh-TW" altLang="en-US" sz="2400" dirty="0"/>
@@ -3170,15 +3159,11 @@
             </a:r>
             <a:r>
               <a:rPr lang="en-US" altLang="zh-TW" sz="2400" dirty="0"/>
-              <a:t>6.29</a:t>
-            </a:r>
-            <a:r>
-              <a:rPr lang="zh-TW" altLang="en-US" sz="2400" dirty="0"/>
-              <a:t> </a:t>
-            </a:r>
-            <a:r>
-              <a:rPr lang="en-US" altLang="zh-TW" sz="2400" dirty="0"/>
-              <a:t>latency</a:t>
+              <a:t>6.29 </a:t>
+            </a:r>
+            <a:r>
+              <a:rPr lang="en-US" altLang="zh-TW" sz="2400" dirty="0" err="1"/>
+              <a:t>ms.</a:t>
             </a:r>
             <a:endParaRPr lang="en-US" sz="2400" dirty="0"/>
           </a:p>
@@ -3206,7 +3191,7 @@
         </p:blipFill>
         <p:spPr>
           <a:xfrm>
-            <a:off x="2501309" y="2675152"/>
+            <a:off x="2428368" y="3772432"/>
             <a:ext cx="3856960" cy="3085568"/>
           </a:xfrm>
           <a:prstGeom prst="rect">

--- a/g3doc/dukenet_presentation.pptx
+++ b/g3doc/dukenet_presentation.pptx
@@ -295,7 +295,7 @@
               <a:pPr>
                 <a:defRPr/>
               </a:pPr>
-              <a:t>10/19/19</a:t>
+              <a:t>10/20/19</a:t>
             </a:fld>
             <a:endParaRPr lang="en-US" dirty="0">
               <a:latin typeface="Cambria" panose="02040503050406030204" pitchFamily="18" charset="0"/>
@@ -513,7 +513,7 @@
               <a:pPr>
                 <a:defRPr/>
               </a:pPr>
-              <a:t>10/19/19</a:t>
+              <a:t>10/20/19</a:t>
             </a:fld>
             <a:endParaRPr lang="en-US" dirty="0"/>
           </a:p>
@@ -3171,10 +3171,10 @@
       </p:sp>
       <p:pic>
         <p:nvPicPr>
-          <p:cNvPr id="4" name="Picture 3">
+          <p:cNvPr id="5" name="Picture 4">
             <a:extLst>
               <a:ext uri="{FF2B5EF4-FFF2-40B4-BE49-F238E27FC236}">
-                <a16:creationId xmlns:a16="http://schemas.microsoft.com/office/drawing/2014/main" id="{3324D47A-2A5B-DE4C-8B9A-1AC7F420E053}"/>
+                <a16:creationId xmlns:a16="http://schemas.microsoft.com/office/drawing/2014/main" id="{0A3CE146-0024-FC46-80FC-078C7135584C}"/>
               </a:ext>
             </a:extLst>
           </p:cNvPr>
@@ -3191,8 +3191,8 @@
         </p:blipFill>
         <p:spPr>
           <a:xfrm>
-            <a:off x="2428368" y="3772432"/>
-            <a:ext cx="3856960" cy="3085568"/>
+            <a:off x="2546350" y="3741520"/>
+            <a:ext cx="3663950" cy="2931160"/>
           </a:xfrm>
           <a:prstGeom prst="rect">
             <a:avLst/>

--- a/g3doc/dukenet_presentation.pptx
+++ b/g3doc/dukenet_presentation.pptx
@@ -5,16 +5,17 @@
     <p:sldMasterId id="2147483648" r:id="rId1"/>
   </p:sldMasterIdLst>
   <p:notesMasterIdLst>
-    <p:notesMasterId r:id="rId6"/>
+    <p:notesMasterId r:id="rId7"/>
   </p:notesMasterIdLst>
   <p:handoutMasterIdLst>
-    <p:handoutMasterId r:id="rId7"/>
+    <p:handoutMasterId r:id="rId8"/>
   </p:handoutMasterIdLst>
   <p:sldIdLst>
     <p:sldId id="1054" r:id="rId2"/>
-    <p:sldId id="1060" r:id="rId3"/>
-    <p:sldId id="1061" r:id="rId4"/>
-    <p:sldId id="1062" r:id="rId5"/>
+    <p:sldId id="258" r:id="rId3"/>
+    <p:sldId id="262" r:id="rId4"/>
+    <p:sldId id="1061" r:id="rId5"/>
+    <p:sldId id="1062" r:id="rId6"/>
   </p:sldIdLst>
   <p:sldSz cx="9144000" cy="6858000" type="screen4x3"/>
   <p:notesSz cx="7315200" cy="9601200"/>
@@ -295,7 +296,7 @@
               <a:pPr>
                 <a:defRPr/>
               </a:pPr>
-              <a:t>10/20/19</a:t>
+              <a:t>10/28/19</a:t>
             </a:fld>
             <a:endParaRPr lang="en-US" dirty="0">
               <a:latin typeface="Cambria" panose="02040503050406030204" pitchFamily="18" charset="0"/>
@@ -513,7 +514,7 @@
               <a:pPr>
                 <a:defRPr/>
               </a:pPr>
-              <a:t>10/20/19</a:t>
+              <a:t>10/28/19</a:t>
             </a:fld>
             <a:endParaRPr lang="en-US" dirty="0"/>
           </a:p>
@@ -888,6 +889,466 @@
           <a:bodyPr/>
           <a:lstStyle/>
           <a:p>
+            <a:r>
+              <a:rPr lang="en-US" altLang="zh-TW" dirty="0"/>
+              <a:t>In</a:t>
+            </a:r>
+            <a:r>
+              <a:rPr lang="zh-TW" altLang="en-US" dirty="0"/>
+              <a:t> </a:t>
+            </a:r>
+            <a:r>
+              <a:rPr lang="en-US" altLang="zh-TW" dirty="0"/>
+              <a:t>addition,</a:t>
+            </a:r>
+            <a:r>
+              <a:rPr lang="zh-TW" altLang="en-US" dirty="0"/>
+              <a:t> </a:t>
+            </a:r>
+            <a:r>
+              <a:rPr lang="en-US" altLang="zh-TW" dirty="0"/>
+              <a:t>squeeze</a:t>
+            </a:r>
+            <a:r>
+              <a:rPr lang="zh-TW" altLang="en-US" dirty="0"/>
+              <a:t> </a:t>
+            </a:r>
+            <a:r>
+              <a:rPr lang="en-US" altLang="zh-TW" dirty="0"/>
+              <a:t>and</a:t>
+            </a:r>
+            <a:r>
+              <a:rPr lang="zh-TW" altLang="en-US" dirty="0"/>
+              <a:t> </a:t>
+            </a:r>
+            <a:r>
+              <a:rPr lang="en-US" altLang="zh-TW" dirty="0"/>
+              <a:t>excitation</a:t>
+            </a:r>
+            <a:r>
+              <a:rPr lang="zh-TW" altLang="en-US" dirty="0"/>
+              <a:t> </a:t>
+            </a:r>
+            <a:r>
+              <a:rPr lang="en-US" altLang="zh-TW" dirty="0"/>
+              <a:t>also</a:t>
+            </a:r>
+            <a:r>
+              <a:rPr lang="zh-TW" altLang="en-US" dirty="0"/>
+              <a:t> </a:t>
+            </a:r>
+            <a:r>
+              <a:rPr lang="en-US" altLang="zh-TW" dirty="0"/>
+              <a:t>use</a:t>
+            </a:r>
+            <a:r>
+              <a:rPr lang="zh-TW" altLang="en-US" dirty="0"/>
+              <a:t> </a:t>
+            </a:r>
+            <a:r>
+              <a:rPr lang="en-US" altLang="zh-TW" dirty="0"/>
+              <a:t>sigmoid</a:t>
+            </a:r>
+            <a:r>
+              <a:rPr lang="zh-TW" altLang="en-US" dirty="0"/>
+              <a:t> </a:t>
+            </a:r>
+            <a:r>
+              <a:rPr lang="en-US" altLang="zh-TW" dirty="0"/>
+              <a:t>which</a:t>
+            </a:r>
+            <a:r>
+              <a:rPr lang="zh-TW" altLang="en-US" dirty="0"/>
+              <a:t> </a:t>
+            </a:r>
+            <a:r>
+              <a:rPr lang="en-US" altLang="zh-TW" dirty="0"/>
+              <a:t>would</a:t>
+            </a:r>
+            <a:r>
+              <a:rPr lang="zh-TW" altLang="en-US" dirty="0"/>
+              <a:t> </a:t>
+            </a:r>
+            <a:r>
+              <a:rPr lang="en-US" altLang="zh-TW" dirty="0"/>
+              <a:t>also</a:t>
+            </a:r>
+            <a:r>
+              <a:rPr lang="zh-TW" altLang="en-US" dirty="0"/>
+              <a:t> </a:t>
+            </a:r>
+            <a:r>
+              <a:rPr lang="en-US" altLang="zh-TW" dirty="0"/>
+              <a:t>extremely</a:t>
+            </a:r>
+            <a:r>
+              <a:rPr lang="zh-TW" altLang="en-US" dirty="0"/>
+              <a:t> </a:t>
+            </a:r>
+            <a:r>
+              <a:rPr lang="en-US" altLang="zh-TW" dirty="0"/>
+              <a:t>slow</a:t>
+            </a:r>
+            <a:r>
+              <a:rPr lang="zh-TW" altLang="en-US" dirty="0"/>
+              <a:t> </a:t>
+            </a:r>
+            <a:r>
+              <a:rPr lang="en-US" altLang="zh-TW" dirty="0"/>
+              <a:t>down</a:t>
+            </a:r>
+            <a:r>
+              <a:rPr lang="zh-TW" altLang="en-US" dirty="0"/>
+              <a:t> </a:t>
+            </a:r>
+            <a:r>
+              <a:rPr lang="en-US" altLang="zh-TW" dirty="0"/>
+              <a:t>runtime.</a:t>
+            </a:r>
+            <a:r>
+              <a:rPr lang="zh-TW" altLang="en-US" dirty="0"/>
+              <a:t> </a:t>
+            </a:r>
+            <a:r>
+              <a:rPr lang="en-US" altLang="zh-TW" dirty="0"/>
+              <a:t>SE</a:t>
+            </a:r>
+            <a:r>
+              <a:rPr lang="zh-TW" altLang="en-US" dirty="0"/>
+              <a:t> </a:t>
+            </a:r>
+            <a:r>
+              <a:rPr lang="en-US" altLang="zh-TW" dirty="0"/>
+              <a:t>come</a:t>
+            </a:r>
+            <a:r>
+              <a:rPr lang="zh-TW" altLang="en-US" dirty="0"/>
+              <a:t> </a:t>
+            </a:r>
+            <a:r>
+              <a:rPr lang="en-US" altLang="zh-TW" dirty="0"/>
+              <a:t>with</a:t>
+            </a:r>
+            <a:r>
+              <a:rPr lang="zh-TW" altLang="en-US" dirty="0"/>
+              <a:t> </a:t>
+            </a:r>
+            <a:r>
+              <a:rPr lang="en-US" altLang="zh-TW" dirty="0"/>
+              <a:t>avg</a:t>
+            </a:r>
+            <a:r>
+              <a:rPr lang="zh-TW" altLang="en-US" dirty="0"/>
+              <a:t> </a:t>
+            </a:r>
+            <a:r>
+              <a:rPr lang="en-US" altLang="zh-TW" dirty="0"/>
+              <a:t>pool,</a:t>
+            </a:r>
+            <a:r>
+              <a:rPr lang="zh-TW" altLang="en-US" dirty="0"/>
+              <a:t> </a:t>
+            </a:r>
+            <a:r>
+              <a:rPr lang="en-US" altLang="zh-TW" dirty="0"/>
+              <a:t>which</a:t>
+            </a:r>
+            <a:r>
+              <a:rPr lang="zh-TW" altLang="en-US" dirty="0"/>
+              <a:t> </a:t>
+            </a:r>
+            <a:r>
+              <a:rPr lang="en-US" altLang="zh-TW" dirty="0"/>
+              <a:t>will</a:t>
+            </a:r>
+            <a:r>
+              <a:rPr lang="zh-TW" altLang="en-US" dirty="0"/>
+              <a:t> </a:t>
+            </a:r>
+            <a:r>
+              <a:rPr lang="en-US" altLang="zh-TW" dirty="0"/>
+              <a:t>increase</a:t>
+            </a:r>
+            <a:r>
+              <a:rPr lang="zh-TW" altLang="en-US" dirty="0"/>
+              <a:t> </a:t>
+            </a:r>
+            <a:r>
+              <a:rPr lang="en-US" altLang="zh-TW" dirty="0"/>
+              <a:t>MAC</a:t>
+            </a:r>
+            <a:r>
+              <a:rPr lang="zh-TW" altLang="en-US" dirty="0"/>
+              <a:t> </a:t>
+            </a:r>
+            <a:r>
+              <a:rPr lang="en-US" altLang="zh-TW" dirty="0"/>
+              <a:t>as</a:t>
+            </a:r>
+            <a:r>
+              <a:rPr lang="zh-TW" altLang="en-US" dirty="0"/>
+              <a:t> </a:t>
+            </a:r>
+            <a:r>
+              <a:rPr lang="en-US" altLang="zh-TW" dirty="0"/>
+              <a:t>well.</a:t>
+            </a:r>
+            <a:r>
+              <a:rPr lang="zh-TW" altLang="en-US" dirty="0"/>
+              <a:t> </a:t>
+            </a:r>
+            <a:r>
+              <a:rPr lang="en-US" altLang="zh-TW" dirty="0"/>
+              <a:t>Therefore,</a:t>
+            </a:r>
+            <a:r>
+              <a:rPr lang="zh-TW" altLang="en-US" dirty="0"/>
+              <a:t> </a:t>
+            </a:r>
+            <a:r>
+              <a:rPr lang="en-US" altLang="zh-TW" dirty="0"/>
+              <a:t>we</a:t>
+            </a:r>
+            <a:r>
+              <a:rPr lang="zh-TW" altLang="en-US" dirty="0"/>
+              <a:t> </a:t>
+            </a:r>
+            <a:r>
+              <a:rPr lang="en-US" altLang="zh-TW" dirty="0"/>
+              <a:t>decided</a:t>
+            </a:r>
+            <a:r>
+              <a:rPr lang="zh-TW" altLang="en-US" dirty="0"/>
+              <a:t> </a:t>
+            </a:r>
+            <a:r>
+              <a:rPr lang="en-US" altLang="zh-TW" dirty="0"/>
+              <a:t>to</a:t>
+            </a:r>
+            <a:r>
+              <a:rPr lang="zh-TW" altLang="en-US" dirty="0"/>
+              <a:t> </a:t>
+            </a:r>
+            <a:r>
+              <a:rPr lang="en-US" altLang="zh-TW" dirty="0"/>
+              <a:t>remove</a:t>
+            </a:r>
+            <a:r>
+              <a:rPr lang="zh-TW" altLang="en-US" dirty="0"/>
+              <a:t> </a:t>
+            </a:r>
+            <a:r>
+              <a:rPr lang="en-US" altLang="zh-TW" dirty="0"/>
+              <a:t>SE</a:t>
+            </a:r>
+            <a:r>
+              <a:rPr lang="zh-TW" altLang="en-US" dirty="0"/>
+              <a:t> </a:t>
+            </a:r>
+            <a:r>
+              <a:rPr lang="en-US" altLang="zh-TW" dirty="0"/>
+              <a:t>block.</a:t>
+            </a:r>
+            <a:r>
+              <a:rPr lang="zh-TW" altLang="en-US" dirty="0"/>
+              <a:t> </a:t>
+            </a:r>
+            <a:endParaRPr lang="en-US" altLang="zh-TW" dirty="0"/>
+          </a:p>
+          <a:p>
+            <a:r>
+              <a:rPr lang="en-US" altLang="zh-TW" dirty="0"/>
+              <a:t>We</a:t>
+            </a:r>
+            <a:r>
+              <a:rPr lang="zh-TW" altLang="en-US" dirty="0"/>
+              <a:t> </a:t>
+            </a:r>
+            <a:r>
+              <a:rPr lang="en-US" altLang="zh-TW" dirty="0"/>
+              <a:t>also</a:t>
+            </a:r>
+            <a:r>
+              <a:rPr lang="zh-TW" altLang="en-US" dirty="0"/>
+              <a:t> </a:t>
+            </a:r>
+            <a:r>
+              <a:rPr lang="en-US" altLang="zh-TW" dirty="0"/>
+              <a:t>observe</a:t>
+            </a:r>
+            <a:r>
+              <a:rPr lang="zh-TW" altLang="en-US" dirty="0"/>
+              <a:t> </a:t>
+            </a:r>
+            <a:r>
+              <a:rPr lang="en-US" altLang="zh-TW" dirty="0"/>
+              <a:t>that</a:t>
+            </a:r>
+            <a:r>
+              <a:rPr lang="zh-TW" altLang="en-US" dirty="0"/>
+              <a:t> </a:t>
+            </a:r>
+            <a:r>
+              <a:rPr lang="en-US" altLang="zh-TW" dirty="0"/>
+              <a:t>5x5</a:t>
+            </a:r>
+            <a:r>
+              <a:rPr lang="zh-TW" altLang="en-US" dirty="0"/>
+              <a:t> </a:t>
+            </a:r>
+            <a:r>
+              <a:rPr lang="en-US" altLang="zh-TW" dirty="0"/>
+              <a:t>convolution</a:t>
+            </a:r>
+            <a:r>
+              <a:rPr lang="zh-TW" altLang="en-US" dirty="0"/>
+              <a:t> </a:t>
+            </a:r>
+            <a:r>
+              <a:rPr lang="en-US" altLang="zh-TW" dirty="0"/>
+              <a:t>is</a:t>
+            </a:r>
+            <a:r>
+              <a:rPr lang="zh-TW" altLang="en-US" dirty="0"/>
+              <a:t> </a:t>
+            </a:r>
+            <a:r>
+              <a:rPr lang="en-US" altLang="zh-TW" dirty="0"/>
+              <a:t>not</a:t>
+            </a:r>
+            <a:r>
+              <a:rPr lang="zh-TW" altLang="en-US" dirty="0"/>
+              <a:t> </a:t>
+            </a:r>
+            <a:r>
+              <a:rPr lang="en-US" altLang="zh-TW" dirty="0"/>
+              <a:t>as</a:t>
+            </a:r>
+            <a:r>
+              <a:rPr lang="zh-TW" altLang="en-US" dirty="0"/>
+              <a:t> </a:t>
+            </a:r>
+            <a:r>
+              <a:rPr lang="en-US" altLang="zh-TW" dirty="0"/>
+              <a:t>well</a:t>
+            </a:r>
+            <a:r>
+              <a:rPr lang="zh-TW" altLang="en-US" dirty="0"/>
+              <a:t> </a:t>
+            </a:r>
+            <a:r>
+              <a:rPr lang="en-US" altLang="zh-TW" dirty="0"/>
+              <a:t>optimized</a:t>
+            </a:r>
+            <a:r>
+              <a:rPr lang="zh-TW" altLang="en-US" dirty="0"/>
+              <a:t> </a:t>
+            </a:r>
+            <a:r>
+              <a:rPr lang="en-US" altLang="zh-TW" dirty="0"/>
+              <a:t>as</a:t>
+            </a:r>
+            <a:r>
+              <a:rPr lang="zh-TW" altLang="en-US" dirty="0"/>
+              <a:t> </a:t>
+            </a:r>
+            <a:r>
+              <a:rPr lang="en-US" altLang="zh-TW" dirty="0"/>
+              <a:t>3x3</a:t>
+            </a:r>
+            <a:r>
+              <a:rPr lang="zh-TW" altLang="en-US" dirty="0"/>
+              <a:t> </a:t>
+            </a:r>
+            <a:r>
+              <a:rPr lang="en-US" altLang="zh-TW" dirty="0"/>
+              <a:t>conv</a:t>
+            </a:r>
+            <a:r>
+              <a:rPr lang="zh-TW" altLang="en-US" dirty="0"/>
+              <a:t> </a:t>
+            </a:r>
+            <a:r>
+              <a:rPr lang="en-US" altLang="zh-TW" dirty="0"/>
+              <a:t>on</a:t>
+            </a:r>
+            <a:r>
+              <a:rPr lang="zh-TW" altLang="en-US" dirty="0"/>
+              <a:t> </a:t>
+            </a:r>
+            <a:r>
+              <a:rPr lang="en-US" altLang="zh-TW" dirty="0"/>
+              <a:t>DSP.</a:t>
+            </a:r>
+            <a:r>
+              <a:rPr lang="zh-TW" altLang="en-US" dirty="0"/>
+              <a:t> </a:t>
+            </a:r>
+            <a:r>
+              <a:rPr lang="en-US" altLang="zh-TW" dirty="0"/>
+              <a:t>So</a:t>
+            </a:r>
+            <a:r>
+              <a:rPr lang="zh-TW" altLang="en-US" dirty="0"/>
+              <a:t> </a:t>
+            </a:r>
+            <a:r>
+              <a:rPr lang="en-US" altLang="zh-TW" dirty="0"/>
+              <a:t>we</a:t>
+            </a:r>
+            <a:r>
+              <a:rPr lang="zh-TW" altLang="en-US" dirty="0"/>
+              <a:t> </a:t>
+            </a:r>
+            <a:r>
+              <a:rPr lang="en-US" altLang="zh-TW" dirty="0"/>
+              <a:t>change</a:t>
+            </a:r>
+            <a:r>
+              <a:rPr lang="zh-TW" altLang="en-US" dirty="0"/>
+              <a:t> </a:t>
+            </a:r>
+            <a:r>
+              <a:rPr lang="en-US" altLang="zh-TW" dirty="0"/>
+              <a:t>5x5</a:t>
+            </a:r>
+            <a:r>
+              <a:rPr lang="zh-TW" altLang="en-US" dirty="0"/>
+              <a:t> </a:t>
+            </a:r>
+            <a:r>
+              <a:rPr lang="en-US" altLang="zh-TW" dirty="0"/>
+              <a:t>conv</a:t>
+            </a:r>
+            <a:r>
+              <a:rPr lang="zh-TW" altLang="en-US" dirty="0"/>
+              <a:t> </a:t>
+            </a:r>
+            <a:r>
+              <a:rPr lang="en-US" altLang="zh-TW" dirty="0"/>
+              <a:t>with</a:t>
+            </a:r>
+            <a:r>
+              <a:rPr lang="zh-TW" altLang="en-US" dirty="0"/>
+              <a:t> </a:t>
+            </a:r>
+            <a:r>
+              <a:rPr lang="en-US" altLang="zh-TW" dirty="0"/>
+              <a:t>3x3</a:t>
+            </a:r>
+            <a:r>
+              <a:rPr lang="zh-TW" altLang="en-US" dirty="0"/>
+              <a:t> </a:t>
+            </a:r>
+            <a:r>
+              <a:rPr lang="en-US" altLang="zh-TW" dirty="0"/>
+              <a:t>conv.</a:t>
+            </a:r>
+          </a:p>
+          <a:p>
+            <a:endParaRPr lang="en-US" altLang="zh-CN" dirty="0"/>
+          </a:p>
+          <a:p>
             <a:endParaRPr lang="en-US" dirty="0"/>
           </a:p>
         </p:txBody>
@@ -917,14 +1378,14 @@
               </a:pPr>
               <a:t>2</a:t>
             </a:fld>
-            <a:endParaRPr lang="en-US" dirty="0"/>
+            <a:endParaRPr lang="en-US"/>
           </a:p>
         </p:txBody>
       </p:sp>
     </p:spTree>
     <p:extLst>
       <p:ext uri="{BB962C8B-B14F-4D97-AF65-F5344CB8AC3E}">
-        <p14:creationId xmlns:p14="http://schemas.microsoft.com/office/powerpoint/2010/main" val="2374463589"/>
+        <p14:creationId xmlns:p14="http://schemas.microsoft.com/office/powerpoint/2010/main" val="2823793985"/>
       </p:ext>
     </p:extLst>
   </p:cSld>
@@ -978,6 +1439,455 @@
           <a:bodyPr/>
           <a:lstStyle/>
           <a:p>
+            <a:r>
+              <a:rPr lang="en-US" altLang="zh-TW" dirty="0"/>
+              <a:t>ReLu6</a:t>
+            </a:r>
+            <a:r>
+              <a:rPr lang="zh-TW" altLang="en-US" dirty="0"/>
+              <a:t> </a:t>
+            </a:r>
+            <a:r>
+              <a:rPr lang="en-US" altLang="zh-TW" dirty="0" err="1"/>
+              <a:t>easilly</a:t>
+            </a:r>
+            <a:r>
+              <a:rPr lang="zh-TW" altLang="en-US" dirty="0"/>
+              <a:t> </a:t>
+            </a:r>
+            <a:r>
+              <a:rPr lang="en-US" altLang="zh-TW" dirty="0"/>
+              <a:t>induce</a:t>
+            </a:r>
+            <a:r>
+              <a:rPr lang="zh-TW" altLang="en-US" dirty="0"/>
+              <a:t> </a:t>
+            </a:r>
+            <a:r>
+              <a:rPr lang="en-US" altLang="zh-TW" dirty="0"/>
+              <a:t>high</a:t>
+            </a:r>
+            <a:r>
+              <a:rPr lang="zh-TW" altLang="en-US" dirty="0"/>
+              <a:t> </a:t>
+            </a:r>
+            <a:r>
+              <a:rPr lang="en-US" altLang="zh-TW" dirty="0"/>
+              <a:t>quantization</a:t>
+            </a:r>
+            <a:r>
+              <a:rPr lang="zh-TW" altLang="en-US" dirty="0"/>
+              <a:t> </a:t>
+            </a:r>
+            <a:r>
+              <a:rPr lang="en-US" altLang="zh-TW" dirty="0"/>
+              <a:t>loss.</a:t>
+            </a:r>
+            <a:r>
+              <a:rPr lang="zh-TW" altLang="en-US" dirty="0"/>
+              <a:t> </a:t>
+            </a:r>
+            <a:r>
+              <a:rPr lang="en-US" altLang="zh-TW" dirty="0"/>
+              <a:t>So</a:t>
+            </a:r>
+            <a:r>
+              <a:rPr lang="zh-TW" altLang="en-US" dirty="0"/>
+              <a:t> </a:t>
+            </a:r>
+            <a:r>
+              <a:rPr lang="en-US" altLang="zh-TW" dirty="0"/>
+              <a:t>we</a:t>
+            </a:r>
+            <a:r>
+              <a:rPr lang="zh-TW" altLang="en-US" dirty="0"/>
+              <a:t> </a:t>
+            </a:r>
+            <a:r>
+              <a:rPr lang="en-US" altLang="zh-TW" dirty="0"/>
+              <a:t>change</a:t>
+            </a:r>
+            <a:r>
+              <a:rPr lang="zh-TW" altLang="en-US" dirty="0"/>
+              <a:t> </a:t>
+            </a:r>
+            <a:r>
+              <a:rPr lang="en-US" altLang="zh-TW" dirty="0"/>
+              <a:t>the</a:t>
+            </a:r>
+            <a:r>
+              <a:rPr lang="zh-TW" altLang="en-US" dirty="0"/>
+              <a:t> </a:t>
+            </a:r>
+            <a:r>
+              <a:rPr lang="en-US" altLang="zh-TW" dirty="0"/>
+              <a:t>network</a:t>
+            </a:r>
+            <a:r>
+              <a:rPr lang="zh-TW" altLang="en-US" dirty="0"/>
+              <a:t> </a:t>
+            </a:r>
+            <a:r>
+              <a:rPr lang="en-US" altLang="zh-TW" dirty="0"/>
+              <a:t>to</a:t>
+            </a:r>
+            <a:r>
+              <a:rPr lang="zh-TW" altLang="en-US" dirty="0"/>
+              <a:t> </a:t>
+            </a:r>
+            <a:r>
+              <a:rPr lang="en-US" altLang="zh-TW" dirty="0" err="1"/>
+              <a:t>ReLU</a:t>
+            </a:r>
+            <a:r>
+              <a:rPr lang="zh-TW" altLang="en-US" dirty="0"/>
+              <a:t> </a:t>
+            </a:r>
+            <a:r>
+              <a:rPr lang="en-US" altLang="zh-TW" dirty="0"/>
+              <a:t>only.</a:t>
+            </a:r>
+            <a:r>
+              <a:rPr lang="zh-TW" altLang="en-US" dirty="0"/>
+              <a:t> </a:t>
+            </a:r>
+            <a:endParaRPr lang="en-US" altLang="zh-TW" dirty="0"/>
+          </a:p>
+          <a:p>
+            <a:r>
+              <a:rPr lang="en-US" altLang="zh-TW" dirty="0"/>
+              <a:t>Although</a:t>
+            </a:r>
+            <a:r>
+              <a:rPr lang="zh-TW" altLang="en-US" dirty="0"/>
+              <a:t> </a:t>
+            </a:r>
+            <a:r>
+              <a:rPr lang="en-US" altLang="zh-TW" dirty="0"/>
+              <a:t>fully</a:t>
+            </a:r>
+            <a:r>
+              <a:rPr lang="zh-TW" altLang="en-US" dirty="0"/>
+              <a:t> </a:t>
+            </a:r>
+            <a:r>
+              <a:rPr lang="en-US" altLang="zh-TW" dirty="0"/>
+              <a:t>connected</a:t>
+            </a:r>
+            <a:r>
+              <a:rPr lang="zh-TW" altLang="en-US" dirty="0"/>
+              <a:t> </a:t>
+            </a:r>
+            <a:r>
+              <a:rPr lang="en-US" altLang="zh-TW" dirty="0"/>
+              <a:t>layer</a:t>
+            </a:r>
+            <a:r>
+              <a:rPr lang="zh-TW" altLang="en-US" dirty="0"/>
+              <a:t> </a:t>
+            </a:r>
+            <a:r>
+              <a:rPr lang="en-US" altLang="zh-TW" dirty="0"/>
+              <a:t>has</a:t>
+            </a:r>
+            <a:r>
+              <a:rPr lang="zh-TW" altLang="en-US" dirty="0"/>
+              <a:t> </a:t>
+            </a:r>
+            <a:r>
+              <a:rPr lang="en-US" altLang="zh-TW" dirty="0"/>
+              <a:t>less</a:t>
+            </a:r>
+            <a:r>
+              <a:rPr lang="zh-TW" altLang="en-US" dirty="0"/>
+              <a:t> </a:t>
+            </a:r>
+            <a:r>
+              <a:rPr lang="en-US" altLang="zh-TW" dirty="0"/>
+              <a:t>MACs,</a:t>
+            </a:r>
+            <a:r>
+              <a:rPr lang="zh-TW" altLang="en-US" dirty="0"/>
+              <a:t> </a:t>
+            </a:r>
+            <a:r>
+              <a:rPr lang="en-US" altLang="zh-TW" dirty="0"/>
+              <a:t>but</a:t>
+            </a:r>
+            <a:r>
+              <a:rPr lang="zh-TW" altLang="en-US" dirty="0"/>
+              <a:t> </a:t>
+            </a:r>
+            <a:r>
+              <a:rPr lang="en-US" altLang="zh-TW" dirty="0"/>
+              <a:t>it</a:t>
+            </a:r>
+            <a:r>
+              <a:rPr lang="zh-TW" altLang="en-US" dirty="0"/>
+              <a:t> </a:t>
+            </a:r>
+            <a:r>
+              <a:rPr lang="en-US" altLang="zh-TW" dirty="0"/>
+              <a:t>occupy</a:t>
+            </a:r>
+            <a:r>
+              <a:rPr lang="zh-TW" altLang="en-US" dirty="0"/>
+              <a:t> </a:t>
+            </a:r>
+            <a:r>
+              <a:rPr lang="en-US" altLang="zh-TW" dirty="0"/>
+              <a:t>more</a:t>
+            </a:r>
+            <a:r>
+              <a:rPr lang="zh-TW" altLang="en-US" dirty="0"/>
+              <a:t> </a:t>
+            </a:r>
+            <a:r>
+              <a:rPr lang="en-US" altLang="zh-TW" dirty="0"/>
+              <a:t>memory</a:t>
+            </a:r>
+            <a:r>
+              <a:rPr lang="zh-TW" altLang="en-US" dirty="0"/>
+              <a:t> </a:t>
+            </a:r>
+            <a:r>
+              <a:rPr lang="en-US" altLang="zh-TW" dirty="0"/>
+              <a:t>operation.</a:t>
+            </a:r>
+            <a:r>
+              <a:rPr lang="zh-TW" altLang="en-US" dirty="0"/>
+              <a:t> </a:t>
+            </a:r>
+            <a:endParaRPr lang="en-US" altLang="zh-TW" dirty="0"/>
+          </a:p>
+          <a:p>
+            <a:pPr marL="0" marR="0" lvl="0" indent="0" algn="l" defTabSz="457200" rtl="0" eaLnBrk="0" fontAlgn="base" latinLnBrk="0" hangingPunct="0">
+              <a:lnSpc>
+                <a:spcPct val="100000"/>
+              </a:lnSpc>
+              <a:spcBef>
+                <a:spcPct val="30000"/>
+              </a:spcBef>
+              <a:spcAft>
+                <a:spcPct val="0"/>
+              </a:spcAft>
+              <a:buClrTx/>
+              <a:buSzTx/>
+              <a:buFontTx/>
+              <a:buNone/>
+              <a:tabLst/>
+              <a:defRPr/>
+            </a:pPr>
+            <a:r>
+              <a:rPr lang="en-US" altLang="zh-TW" dirty="0"/>
+              <a:t>To</a:t>
+            </a:r>
+            <a:r>
+              <a:rPr lang="zh-TW" altLang="en-US" dirty="0"/>
+              <a:t> </a:t>
+            </a:r>
+            <a:r>
+              <a:rPr lang="en-US" altLang="zh-TW" dirty="0"/>
+              <a:t>have</a:t>
+            </a:r>
+            <a:r>
+              <a:rPr lang="zh-TW" altLang="en-US" dirty="0"/>
+              <a:t> </a:t>
+            </a:r>
+            <a:r>
+              <a:rPr lang="en-US" altLang="zh-TW" dirty="0"/>
+              <a:t>a</a:t>
+            </a:r>
+            <a:r>
+              <a:rPr lang="zh-TW" altLang="en-US" dirty="0"/>
+              <a:t> </a:t>
+            </a:r>
+            <a:r>
+              <a:rPr lang="en-US" altLang="zh-TW" dirty="0"/>
+              <a:t>better</a:t>
+            </a:r>
+            <a:r>
+              <a:rPr lang="zh-TW" altLang="en-US" dirty="0"/>
+              <a:t> </a:t>
+            </a:r>
+            <a:r>
+              <a:rPr lang="en-US" altLang="zh-TW" dirty="0"/>
+              <a:t>trade-off</a:t>
+            </a:r>
+            <a:r>
+              <a:rPr lang="zh-TW" altLang="en-US" dirty="0"/>
+              <a:t> </a:t>
+            </a:r>
+            <a:r>
+              <a:rPr lang="en-US" altLang="zh-TW" dirty="0"/>
+              <a:t>of</a:t>
+            </a:r>
+            <a:r>
+              <a:rPr lang="zh-TW" altLang="en-US" dirty="0"/>
+              <a:t> </a:t>
+            </a:r>
+            <a:r>
+              <a:rPr lang="en-US" sz="1200" kern="1200" dirty="0">
+                <a:solidFill>
+                  <a:schemeClr val="tx1"/>
+                </a:solidFill>
+                <a:effectLst/>
+                <a:latin typeface="+mn-lt"/>
+                <a:ea typeface="ＭＳ Ｐゴシック" pitchFamily="-108" charset="-128"/>
+                <a:cs typeface="ＭＳ Ｐゴシック" pitchFamily="-108" charset="-128"/>
+              </a:rPr>
+              <a:t>computation</a:t>
+            </a:r>
+            <a:r>
+              <a:rPr lang="zh-TW" altLang="en-US" sz="1200" kern="1200" dirty="0">
+                <a:solidFill>
+                  <a:schemeClr val="tx1"/>
+                </a:solidFill>
+                <a:effectLst/>
+                <a:latin typeface="+mn-lt"/>
+                <a:ea typeface="ＭＳ Ｐゴシック" pitchFamily="-108" charset="-128"/>
+                <a:cs typeface="ＭＳ Ｐゴシック" pitchFamily="-108" charset="-128"/>
+              </a:rPr>
+              <a:t> </a:t>
+            </a:r>
+            <a:r>
+              <a:rPr lang="en-US" altLang="zh-TW" sz="1200" kern="1200" dirty="0">
+                <a:solidFill>
+                  <a:schemeClr val="tx1"/>
+                </a:solidFill>
+                <a:effectLst/>
+                <a:latin typeface="+mn-lt"/>
+                <a:ea typeface="ＭＳ Ｐゴシック" pitchFamily="-108" charset="-128"/>
+                <a:cs typeface="ＭＳ Ｐゴシック" pitchFamily="-108" charset="-128"/>
+              </a:rPr>
+              <a:t>and</a:t>
+            </a:r>
+            <a:r>
+              <a:rPr lang="zh-TW" altLang="en-US" sz="1200" kern="1200" dirty="0">
+                <a:solidFill>
+                  <a:schemeClr val="tx1"/>
+                </a:solidFill>
+                <a:effectLst/>
+                <a:latin typeface="+mn-lt"/>
+                <a:ea typeface="ＭＳ Ｐゴシック" pitchFamily="-108" charset="-128"/>
+                <a:cs typeface="ＭＳ Ｐゴシック" pitchFamily="-108" charset="-128"/>
+              </a:rPr>
+              <a:t> </a:t>
+            </a:r>
+            <a:r>
+              <a:rPr lang="en-US" sz="1200" kern="1200" dirty="0">
+                <a:solidFill>
+                  <a:schemeClr val="tx1"/>
+                </a:solidFill>
+                <a:effectLst/>
+                <a:latin typeface="+mn-lt"/>
+                <a:ea typeface="ＭＳ Ｐゴシック" pitchFamily="-108" charset="-128"/>
+                <a:cs typeface="ＭＳ Ｐゴシック" pitchFamily="-108" charset="-128"/>
+              </a:rPr>
+              <a:t>memory access ratio</a:t>
+            </a:r>
+            <a:r>
+              <a:rPr lang="en-US" altLang="zh-TW" dirty="0"/>
+              <a:t>.</a:t>
+            </a:r>
+            <a:r>
+              <a:rPr lang="zh-TW" altLang="en-US" dirty="0"/>
+              <a:t> </a:t>
+            </a:r>
+            <a:r>
+              <a:rPr lang="en-US" altLang="zh-TW" dirty="0"/>
+              <a:t>We</a:t>
+            </a:r>
+            <a:r>
+              <a:rPr lang="zh-TW" altLang="en-US" dirty="0"/>
+              <a:t> </a:t>
+            </a:r>
+            <a:r>
+              <a:rPr lang="en-US" altLang="zh-TW" dirty="0"/>
+              <a:t>try</a:t>
+            </a:r>
+            <a:r>
+              <a:rPr lang="zh-TW" altLang="en-US" dirty="0"/>
+              <a:t> </a:t>
+            </a:r>
+            <a:r>
+              <a:rPr lang="en-US" altLang="zh-TW" dirty="0"/>
+              <a:t>to</a:t>
+            </a:r>
+            <a:r>
+              <a:rPr lang="zh-TW" altLang="en-US" dirty="0"/>
+              <a:t> </a:t>
+            </a:r>
+            <a:r>
+              <a:rPr lang="en-US" altLang="zh-TW" dirty="0"/>
+              <a:t>use</a:t>
+            </a:r>
+            <a:r>
+              <a:rPr lang="zh-TW" altLang="en-US" dirty="0"/>
+              <a:t> </a:t>
+            </a:r>
+            <a:r>
+              <a:rPr lang="en-US" altLang="zh-TW" dirty="0"/>
+              <a:t>relatively</a:t>
+            </a:r>
+            <a:r>
+              <a:rPr lang="zh-TW" altLang="en-US" dirty="0"/>
+              <a:t> </a:t>
+            </a:r>
+            <a:r>
+              <a:rPr lang="en-US" altLang="zh-TW" dirty="0"/>
+              <a:t>more</a:t>
+            </a:r>
+            <a:r>
+              <a:rPr lang="zh-TW" altLang="en-US" dirty="0"/>
+              <a:t> </a:t>
+            </a:r>
+            <a:r>
+              <a:rPr lang="en-US" altLang="zh-TW" dirty="0"/>
+              <a:t>conv</a:t>
+            </a:r>
+            <a:r>
+              <a:rPr lang="zh-TW" altLang="en-US" dirty="0"/>
+              <a:t> </a:t>
+            </a:r>
+            <a:r>
+              <a:rPr lang="en-US" altLang="zh-TW" dirty="0"/>
+              <a:t>layers</a:t>
+            </a:r>
+            <a:r>
+              <a:rPr lang="zh-TW" altLang="en-US" dirty="0"/>
+              <a:t> </a:t>
+            </a:r>
+            <a:r>
+              <a:rPr lang="en-US" altLang="zh-TW" dirty="0"/>
+              <a:t>in</a:t>
+            </a:r>
+            <a:r>
+              <a:rPr lang="zh-TW" altLang="en-US" dirty="0"/>
+              <a:t> </a:t>
+            </a:r>
+            <a:r>
+              <a:rPr lang="en-US" altLang="zh-TW" dirty="0"/>
+              <a:t>a</a:t>
+            </a:r>
+            <a:r>
+              <a:rPr lang="zh-TW" altLang="en-US" dirty="0"/>
+              <a:t> </a:t>
+            </a:r>
+            <a:r>
+              <a:rPr lang="en-US" altLang="zh-TW" dirty="0"/>
+              <a:t>whole</a:t>
+            </a:r>
+            <a:r>
+              <a:rPr lang="zh-TW" altLang="en-US" dirty="0"/>
+              <a:t> </a:t>
+            </a:r>
+            <a:r>
+              <a:rPr lang="en-US" altLang="zh-TW" dirty="0"/>
+              <a:t>network.</a:t>
+            </a:r>
+          </a:p>
+          <a:p>
             <a:endParaRPr lang="en-US" dirty="0"/>
           </a:p>
         </p:txBody>
@@ -1007,14 +1917,14 @@
               </a:pPr>
               <a:t>3</a:t>
             </a:fld>
-            <a:endParaRPr lang="en-US" dirty="0"/>
+            <a:endParaRPr lang="en-US"/>
           </a:p>
         </p:txBody>
       </p:sp>
     </p:spTree>
     <p:extLst>
       <p:ext uri="{BB962C8B-B14F-4D97-AF65-F5344CB8AC3E}">
-        <p14:creationId xmlns:p14="http://schemas.microsoft.com/office/powerpoint/2010/main" val="63000431"/>
+        <p14:creationId xmlns:p14="http://schemas.microsoft.com/office/powerpoint/2010/main" val="2849932158"/>
       </p:ext>
     </p:extLst>
   </p:cSld>
@@ -1096,6 +2006,96 @@
                 <a:defRPr/>
               </a:pPr>
               <a:t>4</a:t>
+            </a:fld>
+            <a:endParaRPr lang="en-US" dirty="0"/>
+          </a:p>
+        </p:txBody>
+      </p:sp>
+    </p:spTree>
+    <p:extLst>
+      <p:ext uri="{BB962C8B-B14F-4D97-AF65-F5344CB8AC3E}">
+        <p14:creationId xmlns:p14="http://schemas.microsoft.com/office/powerpoint/2010/main" val="63000431"/>
+      </p:ext>
+    </p:extLst>
+  </p:cSld>
+  <p:clrMapOvr>
+    <a:masterClrMapping/>
+  </p:clrMapOvr>
+</p:notes>
+</file>
+
+<file path=ppt/notesSlides/notesSlide4.xml><?xml version="1.0" encoding="utf-8"?>
+<p:notes xmlns:a="http://schemas.openxmlformats.org/drawingml/2006/main" xmlns:r="http://schemas.openxmlformats.org/officeDocument/2006/relationships" xmlns:p="http://schemas.openxmlformats.org/presentationml/2006/main">
+  <p:cSld>
+    <p:spTree>
+      <p:nvGrpSpPr>
+        <p:cNvPr id="1" name=""/>
+        <p:cNvGrpSpPr/>
+        <p:nvPr/>
+      </p:nvGrpSpPr>
+      <p:grpSpPr>
+        <a:xfrm>
+          <a:off x="0" y="0"/>
+          <a:ext cx="0" cy="0"/>
+          <a:chOff x="0" y="0"/>
+          <a:chExt cx="0" cy="0"/>
+        </a:xfrm>
+      </p:grpSpPr>
+      <p:sp>
+        <p:nvSpPr>
+          <p:cNvPr id="2" name="Slide Image Placeholder 1"/>
+          <p:cNvSpPr>
+            <a:spLocks noGrp="1" noRot="1" noChangeAspect="1"/>
+          </p:cNvSpPr>
+          <p:nvPr>
+            <p:ph type="sldImg"/>
+          </p:nvPr>
+        </p:nvSpPr>
+        <p:spPr/>
+      </p:sp>
+      <p:sp>
+        <p:nvSpPr>
+          <p:cNvPr id="3" name="Notes Placeholder 2"/>
+          <p:cNvSpPr>
+            <a:spLocks noGrp="1"/>
+          </p:cNvSpPr>
+          <p:nvPr>
+            <p:ph type="body" idx="1"/>
+          </p:nvPr>
+        </p:nvSpPr>
+        <p:spPr/>
+        <p:txBody>
+          <a:bodyPr/>
+          <a:lstStyle/>
+          <a:p>
+            <a:endParaRPr lang="en-US" dirty="0"/>
+          </a:p>
+        </p:txBody>
+      </p:sp>
+      <p:sp>
+        <p:nvSpPr>
+          <p:cNvPr id="4" name="Slide Number Placeholder 3"/>
+          <p:cNvSpPr>
+            <a:spLocks noGrp="1"/>
+          </p:cNvSpPr>
+          <p:nvPr>
+            <p:ph type="sldNum" sz="quarter" idx="5"/>
+          </p:nvPr>
+        </p:nvSpPr>
+        <p:spPr/>
+        <p:txBody>
+          <a:bodyPr/>
+          <a:lstStyle/>
+          <a:p>
+            <a:pPr>
+              <a:defRPr/>
+            </a:pPr>
+            <a:fld id="{7DC2704C-97F3-4DB5-B8D3-4FBF23AAF08B}" type="slidenum">
+              <a:rPr lang="en-US" smtClean="0"/>
+              <a:pPr>
+                <a:defRPr/>
+              </a:pPr>
+              <a:t>5</a:t>
             </a:fld>
             <a:endParaRPr lang="en-US" dirty="0"/>
           </a:p>
@@ -2853,7 +3853,7 @@
           <p:cNvPr id="2" name="Title 1">
             <a:extLst>
               <a:ext uri="{FF2B5EF4-FFF2-40B4-BE49-F238E27FC236}">
-                <a16:creationId xmlns:a16="http://schemas.microsoft.com/office/drawing/2014/main" id="{E49DD56D-A886-7A42-B7D8-4C1C243F9D58}"/>
+                <a16:creationId xmlns:a16="http://schemas.microsoft.com/office/drawing/2014/main" id="{DAC51038-50F7-E346-93E1-6C8E0A0BCF1A}"/>
               </a:ext>
             </a:extLst>
           </p:cNvPr>
@@ -2870,113 +3870,382 @@
           <a:lstStyle/>
           <a:p>
             <a:r>
-              <a:rPr lang="en-US" altLang="zh-TW" dirty="0" err="1"/>
+              <a:rPr lang="en-US" dirty="0" err="1"/>
               <a:t>DukeNet</a:t>
             </a:r>
-            <a:endParaRPr lang="en-US" dirty="0"/>
+            <a:r>
+              <a:rPr lang="en-US" dirty="0"/>
+              <a:t>: Background</a:t>
+            </a:r>
           </a:p>
         </p:txBody>
       </p:sp>
+      <mc:AlternateContent xmlns:mc="http://schemas.openxmlformats.org/markup-compatibility/2006" xmlns:a14="http://schemas.microsoft.com/office/drawing/2010/main">
+        <mc:Choice Requires="a14">
+          <p:sp>
+            <p:nvSpPr>
+              <p:cNvPr id="3" name="Content Placeholder 2">
+                <a:extLst>
+                  <a:ext uri="{FF2B5EF4-FFF2-40B4-BE49-F238E27FC236}">
+                    <a16:creationId xmlns:a16="http://schemas.microsoft.com/office/drawing/2014/main" id="{C680E10F-99B0-B846-8FBD-288CD7515226}"/>
+                  </a:ext>
+                </a:extLst>
+              </p:cNvPr>
+              <p:cNvSpPr>
+                <a:spLocks noGrp="1"/>
+              </p:cNvSpPr>
+              <p:nvPr>
+                <p:ph idx="1"/>
+              </p:nvPr>
+            </p:nvSpPr>
+            <p:spPr/>
+            <p:txBody>
+              <a:bodyPr/>
+              <a:lstStyle/>
+              <a:p>
+                <a:pPr marL="0" indent="0">
+                  <a:buNone/>
+                </a:pPr>
+                <a:r>
+                  <a:rPr lang="en-US" sz="2800" dirty="0"/>
+                  <a:t>MobileNetV3 is powerful and efficient, but it is still far from hardware-friendly.</a:t>
+                </a:r>
+              </a:p>
+              <a:p>
+                <a:r>
+                  <a:rPr lang="en-US" sz="2800" dirty="0"/>
+                  <a:t>Swish</a:t>
+                </a:r>
+              </a:p>
+              <a:p>
+                <a:pPr marL="0" indent="0">
+                  <a:buNone/>
+                </a:pPr>
+                <a14:m>
+                  <m:oMathPara xmlns:m="http://schemas.openxmlformats.org/officeDocument/2006/math">
+                    <m:oMathParaPr>
+                      <m:jc m:val="left"/>
+                    </m:oMathParaPr>
+                    <m:oMath xmlns:m="http://schemas.openxmlformats.org/officeDocument/2006/math">
+                      <m:r>
+                        <a:rPr lang="en-US" sz="2800" b="0" i="1" smtClean="0">
+                          <a:latin typeface="Cambria Math" panose="02040503050406030204" pitchFamily="18" charset="0"/>
+                        </a:rPr>
+                        <m:t>𝑎</m:t>
+                      </m:r>
+                      <m:d>
+                        <m:dPr>
+                          <m:ctrlPr>
+                            <a:rPr lang="en-US" sz="2800" b="0" i="1" smtClean="0">
+                              <a:latin typeface="Cambria Math" panose="02040503050406030204" pitchFamily="18" charset="0"/>
+                            </a:rPr>
+                          </m:ctrlPr>
+                        </m:dPr>
+                        <m:e>
+                          <m:r>
+                            <a:rPr lang="en-US" sz="2800" b="0" i="1" smtClean="0">
+                              <a:latin typeface="Cambria Math" panose="02040503050406030204" pitchFamily="18" charset="0"/>
+                            </a:rPr>
+                            <m:t>𝑥</m:t>
+                          </m:r>
+                        </m:e>
+                      </m:d>
+                      <m:r>
+                        <a:rPr lang="en-US" sz="2800" b="0" i="1" smtClean="0">
+                          <a:latin typeface="Cambria Math" panose="02040503050406030204" pitchFamily="18" charset="0"/>
+                        </a:rPr>
+                        <m:t>=</m:t>
+                      </m:r>
+                      <m:r>
+                        <a:rPr lang="en-US" sz="2800" b="0" i="1" smtClean="0">
+                          <a:latin typeface="Cambria Math" panose="02040503050406030204" pitchFamily="18" charset="0"/>
+                        </a:rPr>
+                        <m:t>𝑥</m:t>
+                      </m:r>
+                      <m:r>
+                        <a:rPr lang="en-US" sz="2800" b="0" i="1" smtClean="0">
+                          <a:latin typeface="Cambria Math" panose="02040503050406030204" pitchFamily="18" charset="0"/>
+                        </a:rPr>
+                        <m:t>𝜎</m:t>
+                      </m:r>
+                      <m:r>
+                        <a:rPr lang="en-US" sz="2800" b="0" i="1" smtClean="0">
+                          <a:latin typeface="Cambria Math" panose="02040503050406030204" pitchFamily="18" charset="0"/>
+                        </a:rPr>
+                        <m:t>(</m:t>
+                      </m:r>
+                      <m:r>
+                        <a:rPr lang="en-US" sz="2800" b="0" i="1" smtClean="0">
+                          <a:latin typeface="Cambria Math" panose="02040503050406030204" pitchFamily="18" charset="0"/>
+                        </a:rPr>
+                        <m:t>𝑥</m:t>
+                      </m:r>
+                      <m:r>
+                        <a:rPr lang="en-US" sz="2800" b="0" i="1" smtClean="0">
+                          <a:latin typeface="Cambria Math" panose="02040503050406030204" pitchFamily="18" charset="0"/>
+                        </a:rPr>
+                        <m:t>)</m:t>
+                      </m:r>
+                    </m:oMath>
+                  </m:oMathPara>
+                </a14:m>
+                <a:endParaRPr lang="en-US" sz="2800" dirty="0"/>
+              </a:p>
+              <a:p>
+                <a:r>
+                  <a:rPr lang="en-US" sz="2800" dirty="0"/>
+                  <a:t>Squeeze-and-excitation</a:t>
+                </a:r>
+              </a:p>
+              <a:p>
+                <a:r>
+                  <a:rPr lang="en-US" sz="2800" dirty="0"/>
+                  <a:t>Convolution with 5x5 kernel. </a:t>
+                </a:r>
+              </a:p>
+              <a:p>
+                <a:pPr marL="0" indent="0">
+                  <a:buNone/>
+                </a:pPr>
+                <a:r>
+                  <a:rPr lang="en-US" sz="2800" dirty="0"/>
+                  <a:t>Most hardware implementations </a:t>
+                </a:r>
+              </a:p>
+              <a:p>
+                <a:pPr marL="0" indent="0">
+                  <a:buNone/>
+                </a:pPr>
+                <a:r>
+                  <a:rPr lang="en-US" sz="2800" dirty="0"/>
+                  <a:t>prefers 3x3 convolutions and they </a:t>
+                </a:r>
+              </a:p>
+              <a:p>
+                <a:pPr marL="0" indent="0">
+                  <a:buNone/>
+                </a:pPr>
+                <a:r>
+                  <a:rPr lang="en-US" sz="2800" dirty="0"/>
+                  <a:t>have done much optimization.</a:t>
+                </a:r>
+              </a:p>
+            </p:txBody>
+          </p:sp>
+        </mc:Choice>
+        <mc:Fallback xmlns="">
+          <p:sp>
+            <p:nvSpPr>
+              <p:cNvPr id="3" name="Content Placeholder 2">
+                <a:extLst>
+                  <a:ext uri="{FF2B5EF4-FFF2-40B4-BE49-F238E27FC236}">
+                    <a16:creationId xmlns:a16="http://schemas.microsoft.com/office/drawing/2014/main" id="{C680E10F-99B0-B846-8FBD-288CD7515226}"/>
+                  </a:ext>
+                </a:extLst>
+              </p:cNvPr>
+              <p:cNvSpPr>
+                <a:spLocks noGrp="1" noRot="1" noChangeAspect="1" noMove="1" noResize="1" noEditPoints="1" noAdjustHandles="1" noChangeArrowheads="1" noChangeShapeType="1" noTextEdit="1"/>
+              </p:cNvSpPr>
+              <p:nvPr>
+                <p:ph idx="1"/>
+              </p:nvPr>
+            </p:nvSpPr>
+            <p:spPr>
+              <a:blipFill>
+                <a:blip r:embed="rId3"/>
+                <a:stretch>
+                  <a:fillRect l="-1473" t="-1217"/>
+                </a:stretch>
+              </a:blipFill>
+            </p:spPr>
+            <p:txBody>
+              <a:bodyPr/>
+              <a:lstStyle/>
+              <a:p>
+                <a:r>
+                  <a:rPr lang="en-US">
+                    <a:noFill/>
+                  </a:rPr>
+                  <a:t> </a:t>
+                </a:r>
+              </a:p>
+            </p:txBody>
+          </p:sp>
+        </mc:Fallback>
+      </mc:AlternateContent>
       <p:sp>
         <p:nvSpPr>
-          <p:cNvPr id="3" name="Content Placeholder 2">
+          <p:cNvPr id="4" name="Rectangle 3">
             <a:extLst>
               <a:ext uri="{FF2B5EF4-FFF2-40B4-BE49-F238E27FC236}">
-                <a16:creationId xmlns:a16="http://schemas.microsoft.com/office/drawing/2014/main" id="{D8BCE13A-BE2B-DF42-93BD-5AD7D0D7CB72}"/>
+                <a16:creationId xmlns:a16="http://schemas.microsoft.com/office/drawing/2014/main" id="{8FF01B8C-67F2-6D48-9783-0BC78C6B27AE}"/>
               </a:ext>
             </a:extLst>
           </p:cNvPr>
-          <p:cNvSpPr>
-            <a:spLocks noGrp="1"/>
-          </p:cNvSpPr>
-          <p:nvPr>
-            <p:ph idx="1"/>
-          </p:nvPr>
+          <p:cNvSpPr/>
+          <p:nvPr/>
         </p:nvSpPr>
-        <p:spPr/>
+        <p:spPr>
+          <a:xfrm>
+            <a:off x="-3735" y="6095192"/>
+            <a:ext cx="9143999" cy="769441"/>
+          </a:xfrm>
+          <a:prstGeom prst="rect">
+            <a:avLst/>
+          </a:prstGeom>
+        </p:spPr>
         <p:txBody>
-          <a:bodyPr/>
+          <a:bodyPr wrap="square">
+            <a:spAutoFit/>
+          </a:bodyPr>
           <a:lstStyle/>
           <a:p>
-            <a:pPr marL="0" indent="0">
-              <a:buNone/>
+            <a:r>
+              <a:rPr lang="en-US" sz="1100" dirty="0">
+                <a:solidFill>
+                  <a:srgbClr val="222222"/>
+                </a:solidFill>
+                <a:latin typeface="Arial" panose="020B0604020202020204" pitchFamily="34" charset="0"/>
+              </a:rPr>
+              <a:t>Source:</a:t>
+            </a:r>
+          </a:p>
+          <a:p>
+            <a:pPr marL="228600" indent="-228600">
+              <a:buAutoNum type="arabicPeriod"/>
             </a:pPr>
             <a:r>
-              <a:rPr lang="en-US" sz="2800" dirty="0"/>
-              <a:t>Goal: Design a deep neural network to fit challenging runtime constraints (i.e. 7ms latency) on Qualcomm Snapdragon 855 with NNAPI</a:t>
-            </a:r>
-          </a:p>
-          <a:p>
-            <a:pPr marL="0" indent="0">
-              <a:buNone/>
+              <a:rPr lang="en-US" sz="1100" dirty="0">
+                <a:solidFill>
+                  <a:srgbClr val="222222"/>
+                </a:solidFill>
+                <a:latin typeface="Arial" panose="020B0604020202020204" pitchFamily="34" charset="0"/>
+              </a:rPr>
+              <a:t>Ramachandran, </a:t>
+            </a:r>
+            <a:r>
+              <a:rPr lang="en-US" sz="1100" dirty="0" err="1">
+                <a:solidFill>
+                  <a:srgbClr val="222222"/>
+                </a:solidFill>
+                <a:latin typeface="Arial" panose="020B0604020202020204" pitchFamily="34" charset="0"/>
+              </a:rPr>
+              <a:t>Prajit</a:t>
+            </a:r>
+            <a:r>
+              <a:rPr lang="en-US" sz="1100" dirty="0">
+                <a:solidFill>
+                  <a:srgbClr val="222222"/>
+                </a:solidFill>
+                <a:latin typeface="Arial" panose="020B0604020202020204" pitchFamily="34" charset="0"/>
+              </a:rPr>
+              <a:t>, Barret </a:t>
+            </a:r>
+            <a:r>
+              <a:rPr lang="en-US" sz="1100" dirty="0" err="1">
+                <a:solidFill>
+                  <a:srgbClr val="222222"/>
+                </a:solidFill>
+                <a:latin typeface="Arial" panose="020B0604020202020204" pitchFamily="34" charset="0"/>
+              </a:rPr>
+              <a:t>Zoph</a:t>
+            </a:r>
+            <a:r>
+              <a:rPr lang="en-US" sz="1100" dirty="0">
+                <a:solidFill>
+                  <a:srgbClr val="222222"/>
+                </a:solidFill>
+                <a:latin typeface="Arial" panose="020B0604020202020204" pitchFamily="34" charset="0"/>
+              </a:rPr>
+              <a:t>, and Quoc V. Le. "Searching for activation functions." </a:t>
+            </a:r>
+            <a:r>
+              <a:rPr lang="en-US" sz="1100" dirty="0" err="1">
+                <a:solidFill>
+                  <a:srgbClr val="222222"/>
+                </a:solidFill>
+                <a:latin typeface="Arial" panose="020B0604020202020204" pitchFamily="34" charset="0"/>
+              </a:rPr>
+              <a:t>arXiv</a:t>
+            </a:r>
+            <a:r>
+              <a:rPr lang="en-US" sz="1100" dirty="0">
+                <a:solidFill>
+                  <a:srgbClr val="222222"/>
+                </a:solidFill>
+                <a:latin typeface="Arial" panose="020B0604020202020204" pitchFamily="34" charset="0"/>
+              </a:rPr>
+              <a:t> preprint arXiv:1710.05941 (2017).</a:t>
+            </a:r>
+          </a:p>
+          <a:p>
+            <a:pPr marL="228600" indent="-228600">
+              <a:buAutoNum type="arabicPeriod"/>
             </a:pPr>
             <a:r>
-              <a:rPr lang="en-US" sz="2800" b="1" dirty="0"/>
-              <a:t>Design detail:</a:t>
-            </a:r>
-          </a:p>
-          <a:p>
-            <a:pPr>
-              <a:buFont typeface="Arial" panose="020B0604020202020204" pitchFamily="34" charset="0"/>
-              <a:buChar char="•"/>
-            </a:pPr>
-            <a:r>
-              <a:rPr lang="en-US" sz="2400" dirty="0"/>
-              <a:t>Use MobileNetV3 as inspiration and backbone model.</a:t>
-            </a:r>
-          </a:p>
-          <a:p>
-            <a:pPr>
-              <a:buFont typeface="Arial" panose="020B0604020202020204" pitchFamily="34" charset="0"/>
-              <a:buChar char="•"/>
-            </a:pPr>
-            <a:r>
-              <a:rPr lang="en-US" sz="2400" dirty="0"/>
-              <a:t>Remove all ‘fancy’ activations (e.g. Hard swish, ReLU6) which may either be incompatible with hardware or induce significant accuracy drop after quantization.</a:t>
-            </a:r>
-          </a:p>
-          <a:p>
-            <a:pPr>
-              <a:buFont typeface="Arial" panose="020B0604020202020204" pitchFamily="34" charset="0"/>
-              <a:buChar char="•"/>
-            </a:pPr>
-            <a:r>
-              <a:rPr lang="en-US" sz="2400" dirty="0"/>
-              <a:t>Replace 5x5 convolutional kernels with their 3x3 counterparts as these kernels are not supported by the NNAPI.</a:t>
-            </a:r>
-          </a:p>
-          <a:p>
-            <a:pPr>
-              <a:buFont typeface="Arial" panose="020B0604020202020204" pitchFamily="34" charset="0"/>
-              <a:buChar char="•"/>
-            </a:pPr>
-            <a:r>
-              <a:rPr lang="en-US" sz="2400" dirty="0"/>
-              <a:t>Remove the final FC layer to reduce the number of parameters as they are not necessary.</a:t>
-            </a:r>
-          </a:p>
-          <a:p>
-            <a:pPr>
-              <a:buFont typeface="Arial" panose="020B0604020202020204" pitchFamily="34" charset="0"/>
-              <a:buChar char="•"/>
-            </a:pPr>
-            <a:r>
-              <a:rPr lang="en-US" sz="2400" dirty="0"/>
-              <a:t>Scale up the model by 1.4x to fully utilize the 7ms budget.</a:t>
-            </a:r>
-          </a:p>
-          <a:p>
-            <a:pPr marL="0" indent="0">
-              <a:buNone/>
-            </a:pPr>
-            <a:endParaRPr lang="en-US" sz="2800" dirty="0"/>
+              <a:rPr lang="en-US" sz="1100" dirty="0">
+                <a:solidFill>
+                  <a:srgbClr val="222222"/>
+                </a:solidFill>
+                <a:latin typeface="Arial" panose="020B0604020202020204" pitchFamily="34" charset="0"/>
+              </a:rPr>
+              <a:t>Hu, </a:t>
+            </a:r>
+            <a:r>
+              <a:rPr lang="en-US" sz="1100" dirty="0" err="1">
+                <a:solidFill>
+                  <a:srgbClr val="222222"/>
+                </a:solidFill>
+                <a:latin typeface="Arial" panose="020B0604020202020204" pitchFamily="34" charset="0"/>
+              </a:rPr>
+              <a:t>Jie</a:t>
+            </a:r>
+            <a:r>
+              <a:rPr lang="en-US" sz="1100" dirty="0">
+                <a:solidFill>
+                  <a:srgbClr val="222222"/>
+                </a:solidFill>
+                <a:latin typeface="Arial" panose="020B0604020202020204" pitchFamily="34" charset="0"/>
+              </a:rPr>
+              <a:t>, Li Shen, and Gang Sun. "Squeeze-and-excitation networks." Proceedings of the IEEE conference on computer vision and pattern recognition. 2018.</a:t>
+            </a:r>
           </a:p>
         </p:txBody>
       </p:sp>
+      <p:pic>
+        <p:nvPicPr>
+          <p:cNvPr id="5" name="Picture 4">
+            <a:extLst>
+              <a:ext uri="{FF2B5EF4-FFF2-40B4-BE49-F238E27FC236}">
+                <a16:creationId xmlns:a16="http://schemas.microsoft.com/office/drawing/2014/main" id="{338E7759-A78E-D14D-BAF5-91FB89AB4106}"/>
+              </a:ext>
+            </a:extLst>
+          </p:cNvPr>
+          <p:cNvPicPr>
+            <a:picLocks noChangeAspect="1"/>
+          </p:cNvPicPr>
+          <p:nvPr/>
+        </p:nvPicPr>
+        <p:blipFill>
+          <a:blip r:embed="rId4"/>
+          <a:stretch>
+            <a:fillRect/>
+          </a:stretch>
+        </p:blipFill>
+        <p:spPr>
+          <a:xfrm>
+            <a:off x="6030739" y="1656038"/>
+            <a:ext cx="2844320" cy="3842657"/>
+          </a:xfrm>
+          <a:prstGeom prst="rect">
+            <a:avLst/>
+          </a:prstGeom>
+        </p:spPr>
+      </p:pic>
     </p:spTree>
     <p:extLst>
       <p:ext uri="{BB962C8B-B14F-4D97-AF65-F5344CB8AC3E}">
-        <p14:creationId xmlns:p14="http://schemas.microsoft.com/office/powerpoint/2010/main" val="1269227835"/>
+        <p14:creationId xmlns:p14="http://schemas.microsoft.com/office/powerpoint/2010/main" val="2121532460"/>
       </p:ext>
     </p:extLst>
   </p:cSld>
@@ -2987,6 +4256,281 @@
 </file>
 
 <file path=ppt/slides/slide3.xml><?xml version="1.0" encoding="utf-8"?>
+<p:sld xmlns:a="http://schemas.openxmlformats.org/drawingml/2006/main" xmlns:r="http://schemas.openxmlformats.org/officeDocument/2006/relationships" xmlns:p="http://schemas.openxmlformats.org/presentationml/2006/main">
+  <p:cSld>
+    <p:spTree>
+      <p:nvGrpSpPr>
+        <p:cNvPr id="1" name=""/>
+        <p:cNvGrpSpPr/>
+        <p:nvPr/>
+      </p:nvGrpSpPr>
+      <p:grpSpPr>
+        <a:xfrm>
+          <a:off x="0" y="0"/>
+          <a:ext cx="0" cy="0"/>
+          <a:chOff x="0" y="0"/>
+          <a:chExt cx="0" cy="0"/>
+        </a:xfrm>
+      </p:grpSpPr>
+      <p:sp>
+        <p:nvSpPr>
+          <p:cNvPr id="9" name="Title 1">
+            <a:extLst>
+              <a:ext uri="{FF2B5EF4-FFF2-40B4-BE49-F238E27FC236}">
+                <a16:creationId xmlns:a16="http://schemas.microsoft.com/office/drawing/2014/main" id="{B146E4D1-2534-6E45-9449-2289E0CD4137}"/>
+              </a:ext>
+            </a:extLst>
+          </p:cNvPr>
+          <p:cNvSpPr>
+            <a:spLocks noGrp="1"/>
+          </p:cNvSpPr>
+          <p:nvPr>
+            <p:ph type="title"/>
+          </p:nvPr>
+        </p:nvSpPr>
+        <p:spPr>
+          <a:xfrm>
+            <a:off x="50155" y="185320"/>
+            <a:ext cx="7734300" cy="576680"/>
+          </a:xfrm>
+        </p:spPr>
+        <p:txBody>
+          <a:bodyPr/>
+          <a:lstStyle/>
+          <a:p>
+            <a:r>
+              <a:rPr lang="en-US" dirty="0" err="1"/>
+              <a:t>DukeNet</a:t>
+            </a:r>
+            <a:r>
+              <a:rPr lang="en-US" dirty="0"/>
+              <a:t>: Architecture redesign</a:t>
+            </a:r>
+          </a:p>
+        </p:txBody>
+      </p:sp>
+      <mc:AlternateContent xmlns:mc="http://schemas.openxmlformats.org/markup-compatibility/2006" xmlns:a14="http://schemas.microsoft.com/office/drawing/2010/main">
+        <mc:Choice Requires="a14">
+          <p:sp>
+            <p:nvSpPr>
+              <p:cNvPr id="10" name="Content Placeholder 2">
+                <a:extLst>
+                  <a:ext uri="{FF2B5EF4-FFF2-40B4-BE49-F238E27FC236}">
+                    <a16:creationId xmlns:a16="http://schemas.microsoft.com/office/drawing/2014/main" id="{4E03FA2B-55B4-F246-8760-F240B5B090F0}"/>
+                  </a:ext>
+                </a:extLst>
+              </p:cNvPr>
+              <p:cNvSpPr>
+                <a:spLocks noGrp="1"/>
+              </p:cNvSpPr>
+              <p:nvPr>
+                <p:ph idx="1"/>
+              </p:nvPr>
+            </p:nvSpPr>
+            <p:spPr>
+              <a:xfrm>
+                <a:off x="261470" y="1207247"/>
+                <a:ext cx="8737564" cy="5202518"/>
+              </a:xfrm>
+            </p:spPr>
+            <p:txBody>
+              <a:bodyPr/>
+              <a:lstStyle/>
+              <a:p>
+                <a:pPr marL="0" indent="0">
+                  <a:buNone/>
+                </a:pPr>
+                <a:r>
+                  <a:rPr lang="en-US" sz="2400" b="1" dirty="0"/>
+                  <a:t>Target device: Qualcomm Hexagon DSP</a:t>
+                </a:r>
+              </a:p>
+              <a:p>
+                <a:r>
+                  <a:rPr lang="en-US" sz="2400" dirty="0"/>
+                  <a:t>Change </a:t>
+                </a:r>
+                <a14:m>
+                  <m:oMath xmlns:m="http://schemas.openxmlformats.org/officeDocument/2006/math">
+                    <m:r>
+                      <a:rPr lang="en-US" sz="2400" b="0" i="1" smtClean="0">
+                        <a:latin typeface="Cambria Math" panose="02040503050406030204" pitchFamily="18" charset="0"/>
+                      </a:rPr>
+                      <m:t>5×5</m:t>
+                    </m:r>
+                  </m:oMath>
+                </a14:m>
+                <a:r>
+                  <a:rPr lang="en-US" sz="2400" dirty="0"/>
+                  <a:t> kernels to </a:t>
+                </a:r>
+                <a14:m>
+                  <m:oMath xmlns:m="http://schemas.openxmlformats.org/officeDocument/2006/math">
+                    <m:r>
+                      <a:rPr lang="en-US" sz="2400" i="1" dirty="0" smtClean="0">
+                        <a:latin typeface="Cambria Math" panose="02040503050406030204" pitchFamily="18" charset="0"/>
+                      </a:rPr>
+                      <m:t>3</m:t>
+                    </m:r>
+                    <m:r>
+                      <a:rPr lang="en-US" sz="2400" i="1">
+                        <a:latin typeface="Cambria Math" panose="02040503050406030204" pitchFamily="18" charset="0"/>
+                      </a:rPr>
+                      <m:t>×</m:t>
+                    </m:r>
+                    <m:r>
+                      <a:rPr lang="en-US" sz="2400" b="0" i="1" smtClean="0">
+                        <a:latin typeface="Cambria Math" panose="02040503050406030204" pitchFamily="18" charset="0"/>
+                      </a:rPr>
+                      <m:t>3</m:t>
+                    </m:r>
+                  </m:oMath>
+                </a14:m>
+                <a:r>
+                  <a:rPr lang="en-US" sz="2400" dirty="0"/>
+                  <a:t> kernels.</a:t>
+                </a:r>
+              </a:p>
+              <a:p>
+                <a:r>
+                  <a:rPr lang="en-US" sz="2400" dirty="0"/>
+                  <a:t>Change all the fancy activations to </a:t>
+                </a:r>
+                <a:r>
+                  <a:rPr lang="en-US" sz="2400" dirty="0" err="1"/>
+                  <a:t>ReLU</a:t>
+                </a:r>
+                <a:r>
+                  <a:rPr lang="en-US" sz="2400" dirty="0"/>
+                  <a:t>. (Instead of </a:t>
+                </a:r>
+                <a:r>
+                  <a:rPr lang="en-US" sz="2400" dirty="0">
+                    <a:solidFill>
+                      <a:srgbClr val="FF0000"/>
+                    </a:solidFill>
+                  </a:rPr>
+                  <a:t>ReLU6 </a:t>
+                </a:r>
+                <a:r>
+                  <a:rPr lang="en-US" sz="2400" dirty="0">
+                    <a:solidFill>
+                      <a:schemeClr val="tx1"/>
+                    </a:solidFill>
+                  </a:rPr>
+                  <a:t>in most trending architectures</a:t>
+                </a:r>
+                <a:r>
+                  <a:rPr lang="en-US" sz="2400" dirty="0"/>
+                  <a:t>)</a:t>
+                </a:r>
+              </a:p>
+              <a:p>
+                <a:r>
+                  <a:rPr lang="en-US" sz="2400" dirty="0"/>
+                  <a:t>Remove the second to last FC layer. We believe that this FC layer can take a considerable amount of time due to the memory operation. Spending more computation budget on convolutional layers instead of FC layers is more worthy.</a:t>
+                </a:r>
+              </a:p>
+              <a:p>
+                <a:r>
+                  <a:rPr lang="en-US" sz="2400" dirty="0"/>
+                  <a:t>Increase the number of filters for stem convolution from </a:t>
+                </a:r>
+                <a:r>
+                  <a:rPr lang="en-US" sz="2400" dirty="0">
+                    <a:solidFill>
+                      <a:srgbClr val="FF0000"/>
+                    </a:solidFill>
+                  </a:rPr>
+                  <a:t>16</a:t>
+                </a:r>
+                <a:r>
+                  <a:rPr lang="en-US" sz="2400" dirty="0"/>
+                  <a:t> to </a:t>
+                </a:r>
+                <a:r>
+                  <a:rPr lang="en-US" sz="2400" dirty="0">
+                    <a:solidFill>
+                      <a:srgbClr val="FF0000"/>
+                    </a:solidFill>
+                  </a:rPr>
+                  <a:t>32</a:t>
+                </a:r>
+                <a:r>
+                  <a:rPr lang="en-US" sz="2400" dirty="0"/>
+                  <a:t>.</a:t>
+                </a:r>
+              </a:p>
+              <a:p>
+                <a:r>
+                  <a:rPr lang="en-US" sz="2400" dirty="0"/>
+                  <a:t>Scale up the model by 1.4x to fully utilize the 7ms budget.</a:t>
+                </a:r>
+              </a:p>
+              <a:p>
+                <a:endParaRPr lang="en-US" sz="2300" dirty="0"/>
+              </a:p>
+            </p:txBody>
+          </p:sp>
+        </mc:Choice>
+        <mc:Fallback xmlns="">
+          <p:sp>
+            <p:nvSpPr>
+              <p:cNvPr id="10" name="Content Placeholder 2">
+                <a:extLst>
+                  <a:ext uri="{FF2B5EF4-FFF2-40B4-BE49-F238E27FC236}">
+                    <a16:creationId xmlns:a16="http://schemas.microsoft.com/office/drawing/2014/main" id="{4E03FA2B-55B4-F246-8760-F240B5B090F0}"/>
+                  </a:ext>
+                </a:extLst>
+              </p:cNvPr>
+              <p:cNvSpPr>
+                <a:spLocks noGrp="1" noRot="1" noChangeAspect="1" noMove="1" noResize="1" noEditPoints="1" noAdjustHandles="1" noChangeArrowheads="1" noChangeShapeType="1" noTextEdit="1"/>
+              </p:cNvSpPr>
+              <p:nvPr>
+                <p:ph idx="1"/>
+              </p:nvPr>
+            </p:nvSpPr>
+            <p:spPr>
+              <a:xfrm>
+                <a:off x="261470" y="1207247"/>
+                <a:ext cx="8737564" cy="5202518"/>
+              </a:xfrm>
+              <a:blipFill>
+                <a:blip r:embed="rId3"/>
+                <a:stretch>
+                  <a:fillRect l="-1161" t="-730" r="-290"/>
+                </a:stretch>
+              </a:blipFill>
+            </p:spPr>
+            <p:txBody>
+              <a:bodyPr/>
+              <a:lstStyle/>
+              <a:p>
+                <a:r>
+                  <a:rPr lang="en-US">
+                    <a:noFill/>
+                  </a:rPr>
+                  <a:t> </a:t>
+                </a:r>
+              </a:p>
+            </p:txBody>
+          </p:sp>
+        </mc:Fallback>
+      </mc:AlternateContent>
+    </p:spTree>
+    <p:extLst>
+      <p:ext uri="{BB962C8B-B14F-4D97-AF65-F5344CB8AC3E}">
+        <p14:creationId xmlns:p14="http://schemas.microsoft.com/office/powerpoint/2010/main" val="1075853573"/>
+      </p:ext>
+    </p:extLst>
+  </p:cSld>
+  <p:clrMapOvr>
+    <a:masterClrMapping/>
+  </p:clrMapOvr>
+</p:sld>
+</file>
+
+<file path=ppt/slides/slide4.xml><?xml version="1.0" encoding="utf-8"?>
 <p:sld xmlns:a="http://schemas.openxmlformats.org/drawingml/2006/main" xmlns:r="http://schemas.openxmlformats.org/officeDocument/2006/relationships" xmlns:p="http://schemas.openxmlformats.org/presentationml/2006/main">
   <p:cSld>
     <p:spTree>
@@ -3135,11 +4679,15 @@
             </a:r>
             <a:r>
               <a:rPr lang="en-US" altLang="zh-TW" sz="2400" dirty="0"/>
-              <a:t>2</a:t>
+              <a:t>3</a:t>
             </a:r>
             <a:r>
               <a:rPr lang="en-US" altLang="zh-CN" sz="2400" dirty="0"/>
-              <a:t>.58</a:t>
+              <a:t>.</a:t>
+            </a:r>
+            <a:r>
+              <a:rPr lang="en-US" altLang="zh-TW" sz="2400" dirty="0"/>
+              <a:t>12</a:t>
             </a:r>
             <a:r>
               <a:rPr lang="en-US" sz="2400" dirty="0"/>
@@ -3159,11 +4707,7 @@
             </a:r>
             <a:r>
               <a:rPr lang="en-US" altLang="zh-TW" sz="2400" dirty="0"/>
-              <a:t>6.29 </a:t>
-            </a:r>
-            <a:r>
-              <a:rPr lang="en-US" altLang="zh-TW" sz="2400" dirty="0" err="1"/>
-              <a:t>ms.</a:t>
+              <a:t>6.29ms.</a:t>
             </a:r>
             <a:endParaRPr lang="en-US" sz="2400" dirty="0"/>
           </a:p>
@@ -3171,10 +4715,10 @@
       </p:sp>
       <p:pic>
         <p:nvPicPr>
-          <p:cNvPr id="5" name="Picture 4">
+          <p:cNvPr id="6" name="Picture 5" descr="A screenshot of a cell phone&#10;&#10;Description automatically generated">
             <a:extLst>
               <a:ext uri="{FF2B5EF4-FFF2-40B4-BE49-F238E27FC236}">
-                <a16:creationId xmlns:a16="http://schemas.microsoft.com/office/drawing/2014/main" id="{0A3CE146-0024-FC46-80FC-078C7135584C}"/>
+                <a16:creationId xmlns:a16="http://schemas.microsoft.com/office/drawing/2014/main" id="{CEB288B8-79A9-A14A-A39D-5192974407E6}"/>
               </a:ext>
             </a:extLst>
           </p:cNvPr>
@@ -3191,8 +4735,8 @@
         </p:blipFill>
         <p:spPr>
           <a:xfrm>
-            <a:off x="2546350" y="3741520"/>
-            <a:ext cx="3663950" cy="2931160"/>
+            <a:off x="2781300" y="3809771"/>
+            <a:ext cx="3581400" cy="2862909"/>
           </a:xfrm>
           <a:prstGeom prst="rect">
             <a:avLst/>
@@ -3212,7 +4756,7 @@
 </p:sld>
 </file>
 
-<file path=ppt/slides/slide4.xml><?xml version="1.0" encoding="utf-8"?>
+<file path=ppt/slides/slide5.xml><?xml version="1.0" encoding="utf-8"?>
 <p:sld xmlns:a="http://schemas.openxmlformats.org/drawingml/2006/main" xmlns:r="http://schemas.openxmlformats.org/officeDocument/2006/relationships" xmlns:p="http://schemas.openxmlformats.org/presentationml/2006/main">
   <p:cSld>
     <p:spTree>
@@ -3324,6 +4868,36 @@
           </a:p>
         </p:txBody>
       </p:sp>
+      <p:pic>
+        <p:nvPicPr>
+          <p:cNvPr id="5" name="Picture 4" descr="A screenshot of a cell phone&#10;&#10;Description automatically generated">
+            <a:extLst>
+              <a:ext uri="{FF2B5EF4-FFF2-40B4-BE49-F238E27FC236}">
+                <a16:creationId xmlns:a16="http://schemas.microsoft.com/office/drawing/2014/main" id="{7A5FC9C4-F060-B047-BF8F-1FDDCF019F61}"/>
+              </a:ext>
+            </a:extLst>
+          </p:cNvPr>
+          <p:cNvPicPr>
+            <a:picLocks noChangeAspect="1"/>
+          </p:cNvPicPr>
+          <p:nvPr/>
+        </p:nvPicPr>
+        <p:blipFill>
+          <a:blip r:embed="rId4"/>
+          <a:stretch>
+            <a:fillRect/>
+          </a:stretch>
+        </p:blipFill>
+        <p:spPr>
+          <a:xfrm>
+            <a:off x="1344408" y="2151267"/>
+            <a:ext cx="5894592" cy="4706733"/>
+          </a:xfrm>
+          <a:prstGeom prst="rect">
+            <a:avLst/>
+          </a:prstGeom>
+        </p:spPr>
+      </p:pic>
     </p:spTree>
     <p:extLst>
       <p:ext uri="{BB962C8B-B14F-4D97-AF65-F5344CB8AC3E}">
